--- a/Figuras/Apresentação1.pptx
+++ b/Figuras/Apresentação1.pptx
@@ -309,7 +309,7 @@
             <a:fld id="{BD024390-02E4-4586-B576-8E9A7597068E}" type="datetimeFigureOut">
               <a:rPr lang="pt-BR" smtClean="0"/>
               <a:pPr/>
-              <a:t>26/08/2016</a:t>
+              <a:t>02/10/2016</a:t>
             </a:fld>
             <a:endParaRPr lang="pt-BR"/>
           </a:p>
@@ -476,7 +476,7 @@
             <a:fld id="{BD024390-02E4-4586-B576-8E9A7597068E}" type="datetimeFigureOut">
               <a:rPr lang="pt-BR" smtClean="0"/>
               <a:pPr/>
-              <a:t>26/08/2016</a:t>
+              <a:t>02/10/2016</a:t>
             </a:fld>
             <a:endParaRPr lang="pt-BR"/>
           </a:p>
@@ -653,7 +653,7 @@
             <a:fld id="{BD024390-02E4-4586-B576-8E9A7597068E}" type="datetimeFigureOut">
               <a:rPr lang="pt-BR" smtClean="0"/>
               <a:pPr/>
-              <a:t>26/08/2016</a:t>
+              <a:t>02/10/2016</a:t>
             </a:fld>
             <a:endParaRPr lang="pt-BR"/>
           </a:p>
@@ -820,7 +820,7 @@
             <a:fld id="{BD024390-02E4-4586-B576-8E9A7597068E}" type="datetimeFigureOut">
               <a:rPr lang="pt-BR" smtClean="0"/>
               <a:pPr/>
-              <a:t>26/08/2016</a:t>
+              <a:t>02/10/2016</a:t>
             </a:fld>
             <a:endParaRPr lang="pt-BR"/>
           </a:p>
@@ -1063,7 +1063,7 @@
             <a:fld id="{BD024390-02E4-4586-B576-8E9A7597068E}" type="datetimeFigureOut">
               <a:rPr lang="pt-BR" smtClean="0"/>
               <a:pPr/>
-              <a:t>26/08/2016</a:t>
+              <a:t>02/10/2016</a:t>
             </a:fld>
             <a:endParaRPr lang="pt-BR"/>
           </a:p>
@@ -1348,7 +1348,7 @@
             <a:fld id="{BD024390-02E4-4586-B576-8E9A7597068E}" type="datetimeFigureOut">
               <a:rPr lang="pt-BR" smtClean="0"/>
               <a:pPr/>
-              <a:t>26/08/2016</a:t>
+              <a:t>02/10/2016</a:t>
             </a:fld>
             <a:endParaRPr lang="pt-BR"/>
           </a:p>
@@ -1767,7 +1767,7 @@
             <a:fld id="{BD024390-02E4-4586-B576-8E9A7597068E}" type="datetimeFigureOut">
               <a:rPr lang="pt-BR" smtClean="0"/>
               <a:pPr/>
-              <a:t>26/08/2016</a:t>
+              <a:t>02/10/2016</a:t>
             </a:fld>
             <a:endParaRPr lang="pt-BR"/>
           </a:p>
@@ -1882,7 +1882,7 @@
             <a:fld id="{BD024390-02E4-4586-B576-8E9A7597068E}" type="datetimeFigureOut">
               <a:rPr lang="pt-BR" smtClean="0"/>
               <a:pPr/>
-              <a:t>26/08/2016</a:t>
+              <a:t>02/10/2016</a:t>
             </a:fld>
             <a:endParaRPr lang="pt-BR"/>
           </a:p>
@@ -1974,7 +1974,7 @@
             <a:fld id="{BD024390-02E4-4586-B576-8E9A7597068E}" type="datetimeFigureOut">
               <a:rPr lang="pt-BR" smtClean="0"/>
               <a:pPr/>
-              <a:t>26/08/2016</a:t>
+              <a:t>02/10/2016</a:t>
             </a:fld>
             <a:endParaRPr lang="pt-BR"/>
           </a:p>
@@ -2248,7 +2248,7 @@
             <a:fld id="{BD024390-02E4-4586-B576-8E9A7597068E}" type="datetimeFigureOut">
               <a:rPr lang="pt-BR" smtClean="0"/>
               <a:pPr/>
-              <a:t>26/08/2016</a:t>
+              <a:t>02/10/2016</a:t>
             </a:fld>
             <a:endParaRPr lang="pt-BR"/>
           </a:p>
@@ -2498,7 +2498,7 @@
             <a:fld id="{BD024390-02E4-4586-B576-8E9A7597068E}" type="datetimeFigureOut">
               <a:rPr lang="pt-BR" smtClean="0"/>
               <a:pPr/>
-              <a:t>26/08/2016</a:t>
+              <a:t>02/10/2016</a:t>
             </a:fld>
             <a:endParaRPr lang="pt-BR"/>
           </a:p>
@@ -2708,7 +2708,7 @@
             <a:fld id="{BD024390-02E4-4586-B576-8E9A7597068E}" type="datetimeFigureOut">
               <a:rPr lang="pt-BR" smtClean="0"/>
               <a:pPr/>
-              <a:t>26/08/2016</a:t>
+              <a:t>02/10/2016</a:t>
             </a:fld>
             <a:endParaRPr lang="pt-BR"/>
           </a:p>
@@ -28063,7 +28063,7 @@
         </p:nvGrpSpPr>
         <p:grpSpPr>
           <a:xfrm>
-            <a:off x="438150" y="1828800"/>
+            <a:off x="560863" y="594439"/>
             <a:ext cx="4199573" cy="2530277"/>
             <a:chOff x="438150" y="1828800"/>
             <a:chExt cx="4199573" cy="2530277"/>
@@ -29965,6 +29965,1931 @@
             </a:p>
           </p:txBody>
         </p:sp>
+      </p:grpSp>
+      <p:grpSp>
+        <p:nvGrpSpPr>
+          <p:cNvPr id="7" name="Grupo 6"/>
+          <p:cNvGrpSpPr/>
+          <p:nvPr/>
+        </p:nvGrpSpPr>
+        <p:grpSpPr>
+          <a:xfrm>
+            <a:off x="517932" y="3510009"/>
+            <a:ext cx="4020254" cy="1872372"/>
+            <a:chOff x="517932" y="3510009"/>
+            <a:chExt cx="4020254" cy="1872372"/>
+          </a:xfrm>
+        </p:grpSpPr>
+        <p:sp>
+          <p:nvSpPr>
+            <p:cNvPr id="61" name="Retângulo 60"/>
+            <p:cNvSpPr/>
+            <p:nvPr/>
+          </p:nvSpPr>
+          <p:spPr>
+            <a:xfrm>
+              <a:off x="2562632" y="3554459"/>
+              <a:ext cx="1200150" cy="177800"/>
+            </a:xfrm>
+            <a:prstGeom prst="rect">
+              <a:avLst/>
+            </a:prstGeom>
+            <a:ln w="12700"/>
+          </p:spPr>
+          <p:style>
+            <a:lnRef idx="2">
+              <a:schemeClr val="dk1"/>
+            </a:lnRef>
+            <a:fillRef idx="1">
+              <a:schemeClr val="lt1"/>
+            </a:fillRef>
+            <a:effectRef idx="0">
+              <a:schemeClr val="dk1"/>
+            </a:effectRef>
+            <a:fontRef idx="minor">
+              <a:schemeClr val="dk1"/>
+            </a:fontRef>
+          </p:style>
+          <p:txBody>
+            <a:bodyPr rtlCol="0" anchor="ctr"/>
+            <a:lstStyle/>
+            <a:p>
+              <a:pPr algn="ctr"/>
+              <a:r>
+                <a:rPr lang="pt-BR" sz="1100" dirty="0" smtClean="0">
+                  <a:latin typeface="Times New Roman" pitchFamily="18" charset="0"/>
+                  <a:cs typeface="Times New Roman" pitchFamily="18" charset="0"/>
+                </a:rPr>
+                <a:t>Contador</a:t>
+              </a:r>
+              <a:endParaRPr lang="pt-BR" sz="1200" dirty="0">
+                <a:latin typeface="Times New Roman" pitchFamily="18" charset="0"/>
+                <a:cs typeface="Times New Roman" pitchFamily="18" charset="0"/>
+              </a:endParaRPr>
+            </a:p>
+          </p:txBody>
+        </p:sp>
+        <p:sp>
+          <p:nvSpPr>
+            <p:cNvPr id="63" name="CaixaDeTexto 62"/>
+            <p:cNvSpPr txBox="1"/>
+            <p:nvPr/>
+          </p:nvSpPr>
+          <p:spPr>
+            <a:xfrm>
+              <a:off x="1273582" y="3510009"/>
+              <a:ext cx="1059906" cy="261610"/>
+            </a:xfrm>
+            <a:prstGeom prst="rect">
+              <a:avLst/>
+            </a:prstGeom>
+            <a:noFill/>
+            <a:ln>
+              <a:noFill/>
+            </a:ln>
+          </p:spPr>
+          <p:style>
+            <a:lnRef idx="2">
+              <a:schemeClr val="dk1"/>
+            </a:lnRef>
+            <a:fillRef idx="1">
+              <a:schemeClr val="lt1"/>
+            </a:fillRef>
+            <a:effectRef idx="0">
+              <a:schemeClr val="dk1"/>
+            </a:effectRef>
+            <a:fontRef idx="minor">
+              <a:schemeClr val="dk1"/>
+            </a:fontRef>
+          </p:style>
+          <p:txBody>
+            <a:bodyPr wrap="none" rtlCol="0">
+              <a:spAutoFit/>
+            </a:bodyPr>
+            <a:lstStyle/>
+            <a:p>
+              <a:r>
+                <a:rPr lang="pt-BR" sz="1100" dirty="0" smtClean="0">
+                  <a:latin typeface="Times New Roman" pitchFamily="18" charset="0"/>
+                  <a:cs typeface="Times New Roman" pitchFamily="18" charset="0"/>
+                </a:rPr>
+                <a:t>f</a:t>
+              </a:r>
+              <a:r>
+                <a:rPr lang="pt-BR" sz="900" dirty="0" smtClean="0">
+                  <a:latin typeface="Times New Roman" pitchFamily="18" charset="0"/>
+                  <a:cs typeface="Times New Roman" pitchFamily="18" charset="0"/>
+                </a:rPr>
+                <a:t>clk</a:t>
+              </a:r>
+              <a:r>
+                <a:rPr lang="pt-BR" sz="1100" dirty="0" smtClean="0">
+                  <a:latin typeface="Times New Roman" pitchFamily="18" charset="0"/>
+                  <a:cs typeface="Times New Roman" pitchFamily="18" charset="0"/>
+                </a:rPr>
+                <a:t> = 204 MHz</a:t>
+              </a:r>
+              <a:endParaRPr lang="pt-BR" sz="1100" dirty="0">
+                <a:latin typeface="Times New Roman" pitchFamily="18" charset="0"/>
+                <a:cs typeface="Times New Roman" pitchFamily="18" charset="0"/>
+              </a:endParaRPr>
+            </a:p>
+          </p:txBody>
+        </p:sp>
+        <p:sp>
+          <p:nvSpPr>
+            <p:cNvPr id="65" name="Retângulo 64"/>
+            <p:cNvSpPr/>
+            <p:nvPr/>
+          </p:nvSpPr>
+          <p:spPr>
+            <a:xfrm>
+              <a:off x="1673632" y="3954509"/>
+              <a:ext cx="1022350" cy="222250"/>
+            </a:xfrm>
+            <a:prstGeom prst="rect">
+              <a:avLst/>
+            </a:prstGeom>
+            <a:ln w="12700"/>
+          </p:spPr>
+          <p:style>
+            <a:lnRef idx="2">
+              <a:schemeClr val="dk1"/>
+            </a:lnRef>
+            <a:fillRef idx="1">
+              <a:schemeClr val="lt1"/>
+            </a:fillRef>
+            <a:effectRef idx="0">
+              <a:schemeClr val="dk1"/>
+            </a:effectRef>
+            <a:fontRef idx="minor">
+              <a:schemeClr val="dk1"/>
+            </a:fontRef>
+          </p:style>
+          <p:txBody>
+            <a:bodyPr rtlCol="0" anchor="ctr"/>
+            <a:lstStyle/>
+            <a:p>
+              <a:pPr algn="ctr"/>
+              <a:r>
+                <a:rPr lang="pt-BR" sz="1000" dirty="0" smtClean="0">
+                  <a:latin typeface="Times New Roman" pitchFamily="18" charset="0"/>
+                  <a:cs typeface="Times New Roman" pitchFamily="18" charset="0"/>
+                </a:rPr>
+                <a:t>Comparador 0</a:t>
+              </a:r>
+              <a:endParaRPr lang="pt-BR" sz="1000" dirty="0">
+                <a:latin typeface="Times New Roman" pitchFamily="18" charset="0"/>
+                <a:cs typeface="Times New Roman" pitchFamily="18" charset="0"/>
+              </a:endParaRPr>
+            </a:p>
+          </p:txBody>
+        </p:sp>
+        <p:sp>
+          <p:nvSpPr>
+            <p:cNvPr id="66" name="Retângulo 65"/>
+            <p:cNvSpPr/>
+            <p:nvPr/>
+          </p:nvSpPr>
+          <p:spPr>
+            <a:xfrm>
+              <a:off x="1673632" y="4265659"/>
+              <a:ext cx="1022350" cy="222250"/>
+            </a:xfrm>
+            <a:prstGeom prst="rect">
+              <a:avLst/>
+            </a:prstGeom>
+            <a:ln w="12700"/>
+          </p:spPr>
+          <p:style>
+            <a:lnRef idx="2">
+              <a:schemeClr val="dk1"/>
+            </a:lnRef>
+            <a:fillRef idx="1">
+              <a:schemeClr val="lt1"/>
+            </a:fillRef>
+            <a:effectRef idx="0">
+              <a:schemeClr val="dk1"/>
+            </a:effectRef>
+            <a:fontRef idx="minor">
+              <a:schemeClr val="dk1"/>
+            </a:fontRef>
+          </p:style>
+          <p:txBody>
+            <a:bodyPr rtlCol="0" anchor="ctr"/>
+            <a:lstStyle/>
+            <a:p>
+              <a:pPr algn="ctr"/>
+              <a:r>
+                <a:rPr lang="pt-BR" sz="1000" dirty="0" smtClean="0">
+                  <a:latin typeface="Times New Roman" pitchFamily="18" charset="0"/>
+                  <a:cs typeface="Times New Roman" pitchFamily="18" charset="0"/>
+                </a:rPr>
+                <a:t>Comparador 1</a:t>
+              </a:r>
+              <a:endParaRPr lang="pt-BR" sz="1000" dirty="0">
+                <a:latin typeface="Times New Roman" pitchFamily="18" charset="0"/>
+                <a:cs typeface="Times New Roman" pitchFamily="18" charset="0"/>
+              </a:endParaRPr>
+            </a:p>
+          </p:txBody>
+        </p:sp>
+        <p:cxnSp>
+          <p:nvCxnSpPr>
+            <p:cNvPr id="67" name="Conector reto 66"/>
+            <p:cNvCxnSpPr/>
+            <p:nvPr/>
+          </p:nvCxnSpPr>
+          <p:spPr>
+            <a:xfrm rot="10800000">
+              <a:off x="3140482" y="3998959"/>
+              <a:ext cx="177800" cy="1588"/>
+            </a:xfrm>
+            <a:prstGeom prst="line">
+              <a:avLst/>
+            </a:prstGeom>
+            <a:ln>
+              <a:headEnd type="triangle" w="med" len="med"/>
+              <a:tailEnd type="none" w="med" len="med"/>
+            </a:ln>
+          </p:spPr>
+          <p:style>
+            <a:lnRef idx="1">
+              <a:schemeClr val="dk1"/>
+            </a:lnRef>
+            <a:fillRef idx="0">
+              <a:schemeClr val="dk1"/>
+            </a:fillRef>
+            <a:effectRef idx="0">
+              <a:schemeClr val="dk1"/>
+            </a:effectRef>
+            <a:fontRef idx="minor">
+              <a:schemeClr val="tx1"/>
+            </a:fontRef>
+          </p:style>
+        </p:cxnSp>
+        <p:cxnSp>
+          <p:nvCxnSpPr>
+            <p:cNvPr id="70" name="Conector reto 69"/>
+            <p:cNvCxnSpPr/>
+            <p:nvPr/>
+          </p:nvCxnSpPr>
+          <p:spPr>
+            <a:xfrm rot="5400000" flipH="1" flipV="1">
+              <a:off x="3029357" y="3887834"/>
+              <a:ext cx="221456" cy="794"/>
+            </a:xfrm>
+            <a:prstGeom prst="line">
+              <a:avLst/>
+            </a:prstGeom>
+          </p:spPr>
+          <p:style>
+            <a:lnRef idx="1">
+              <a:schemeClr val="dk1"/>
+            </a:lnRef>
+            <a:fillRef idx="0">
+              <a:schemeClr val="dk1"/>
+            </a:fillRef>
+            <a:effectRef idx="0">
+              <a:schemeClr val="dk1"/>
+            </a:effectRef>
+            <a:fontRef idx="minor">
+              <a:schemeClr val="tx1"/>
+            </a:fontRef>
+          </p:style>
+        </p:cxnSp>
+        <p:cxnSp>
+          <p:nvCxnSpPr>
+            <p:cNvPr id="71" name="Conector reto 70"/>
+            <p:cNvCxnSpPr/>
+            <p:nvPr/>
+          </p:nvCxnSpPr>
+          <p:spPr>
+            <a:xfrm rot="10800000">
+              <a:off x="2740432" y="4087859"/>
+              <a:ext cx="577850" cy="1588"/>
+            </a:xfrm>
+            <a:prstGeom prst="line">
+              <a:avLst/>
+            </a:prstGeom>
+            <a:ln>
+              <a:headEnd type="triangle" w="med" len="med"/>
+              <a:tailEnd type="none" w="med" len="med"/>
+            </a:ln>
+          </p:spPr>
+          <p:style>
+            <a:lnRef idx="1">
+              <a:schemeClr val="dk1"/>
+            </a:lnRef>
+            <a:fillRef idx="0">
+              <a:schemeClr val="dk1"/>
+            </a:fillRef>
+            <a:effectRef idx="0">
+              <a:schemeClr val="dk1"/>
+            </a:effectRef>
+            <a:fontRef idx="minor">
+              <a:schemeClr val="tx1"/>
+            </a:fontRef>
+          </p:style>
+        </p:cxnSp>
+        <p:cxnSp>
+          <p:nvCxnSpPr>
+            <p:cNvPr id="75" name="Conector reto 74"/>
+            <p:cNvCxnSpPr/>
+            <p:nvPr/>
+          </p:nvCxnSpPr>
+          <p:spPr>
+            <a:xfrm rot="10800000">
+              <a:off x="3140484" y="4310109"/>
+              <a:ext cx="177799" cy="794"/>
+            </a:xfrm>
+            <a:prstGeom prst="line">
+              <a:avLst/>
+            </a:prstGeom>
+            <a:ln>
+              <a:headEnd type="triangle" w="med" len="med"/>
+              <a:tailEnd type="none" w="med" len="med"/>
+            </a:ln>
+          </p:spPr>
+          <p:style>
+            <a:lnRef idx="1">
+              <a:schemeClr val="dk1"/>
+            </a:lnRef>
+            <a:fillRef idx="0">
+              <a:schemeClr val="dk1"/>
+            </a:fillRef>
+            <a:effectRef idx="0">
+              <a:schemeClr val="dk1"/>
+            </a:effectRef>
+            <a:fontRef idx="minor">
+              <a:schemeClr val="tx1"/>
+            </a:fontRef>
+          </p:style>
+        </p:cxnSp>
+        <p:cxnSp>
+          <p:nvCxnSpPr>
+            <p:cNvPr id="76" name="Conector reto 75"/>
+            <p:cNvCxnSpPr/>
+            <p:nvPr/>
+          </p:nvCxnSpPr>
+          <p:spPr>
+            <a:xfrm flipV="1">
+              <a:off x="3139690" y="3999754"/>
+              <a:ext cx="1586" cy="806171"/>
+            </a:xfrm>
+            <a:prstGeom prst="line">
+              <a:avLst/>
+            </a:prstGeom>
+          </p:spPr>
+          <p:style>
+            <a:lnRef idx="1">
+              <a:schemeClr val="dk1"/>
+            </a:lnRef>
+            <a:fillRef idx="0">
+              <a:schemeClr val="dk1"/>
+            </a:fillRef>
+            <a:effectRef idx="0">
+              <a:schemeClr val="dk1"/>
+            </a:effectRef>
+            <a:fontRef idx="minor">
+              <a:schemeClr val="tx1"/>
+            </a:fontRef>
+          </p:style>
+        </p:cxnSp>
+        <p:cxnSp>
+          <p:nvCxnSpPr>
+            <p:cNvPr id="77" name="Conector reto 76"/>
+            <p:cNvCxnSpPr/>
+            <p:nvPr/>
+          </p:nvCxnSpPr>
+          <p:spPr>
+            <a:xfrm rot="10800000">
+              <a:off x="2740434" y="4399009"/>
+              <a:ext cx="577849" cy="794"/>
+            </a:xfrm>
+            <a:prstGeom prst="line">
+              <a:avLst/>
+            </a:prstGeom>
+            <a:ln>
+              <a:headEnd type="triangle" w="med" len="med"/>
+              <a:tailEnd type="none" w="med" len="med"/>
+            </a:ln>
+          </p:spPr>
+          <p:style>
+            <a:lnRef idx="1">
+              <a:schemeClr val="dk1"/>
+            </a:lnRef>
+            <a:fillRef idx="0">
+              <a:schemeClr val="dk1"/>
+            </a:fillRef>
+            <a:effectRef idx="0">
+              <a:schemeClr val="dk1"/>
+            </a:effectRef>
+            <a:fontRef idx="minor">
+              <a:schemeClr val="tx1"/>
+            </a:fontRef>
+          </p:style>
+        </p:cxnSp>
+        <p:sp>
+          <p:nvSpPr>
+            <p:cNvPr id="79" name="Elipse 78"/>
+            <p:cNvSpPr/>
+            <p:nvPr/>
+          </p:nvSpPr>
+          <p:spPr>
+            <a:xfrm>
+              <a:off x="3096032" y="3953240"/>
+              <a:ext cx="88900" cy="90169"/>
+            </a:xfrm>
+            <a:prstGeom prst="ellipse">
+              <a:avLst/>
+            </a:prstGeom>
+            <a:ln w="6350"/>
+          </p:spPr>
+          <p:style>
+            <a:lnRef idx="2">
+              <a:schemeClr val="dk1">
+                <a:shade val="50000"/>
+              </a:schemeClr>
+            </a:lnRef>
+            <a:fillRef idx="1">
+              <a:schemeClr val="dk1"/>
+            </a:fillRef>
+            <a:effectRef idx="0">
+              <a:schemeClr val="dk1"/>
+            </a:effectRef>
+            <a:fontRef idx="minor">
+              <a:schemeClr val="lt1"/>
+            </a:fontRef>
+          </p:style>
+          <p:txBody>
+            <a:bodyPr rtlCol="0" anchor="ctr"/>
+            <a:lstStyle/>
+            <a:p>
+              <a:pPr algn="ctr"/>
+              <a:endParaRPr lang="pt-BR">
+                <a:latin typeface="Times New Roman" pitchFamily="18" charset="0"/>
+                <a:cs typeface="Times New Roman" pitchFamily="18" charset="0"/>
+              </a:endParaRPr>
+            </a:p>
+          </p:txBody>
+        </p:sp>
+        <p:sp>
+          <p:nvSpPr>
+            <p:cNvPr id="80" name="Retângulo 79"/>
+            <p:cNvSpPr/>
+            <p:nvPr/>
+          </p:nvSpPr>
+          <p:spPr>
+            <a:xfrm>
+              <a:off x="1673632" y="4576809"/>
+              <a:ext cx="1022350" cy="222250"/>
+            </a:xfrm>
+            <a:prstGeom prst="rect">
+              <a:avLst/>
+            </a:prstGeom>
+            <a:ln w="12700"/>
+          </p:spPr>
+          <p:style>
+            <a:lnRef idx="2">
+              <a:schemeClr val="dk1"/>
+            </a:lnRef>
+            <a:fillRef idx="1">
+              <a:schemeClr val="lt1"/>
+            </a:fillRef>
+            <a:effectRef idx="0">
+              <a:schemeClr val="dk1"/>
+            </a:effectRef>
+            <a:fontRef idx="minor">
+              <a:schemeClr val="dk1"/>
+            </a:fontRef>
+          </p:style>
+          <p:txBody>
+            <a:bodyPr rtlCol="0" anchor="ctr"/>
+            <a:lstStyle/>
+            <a:p>
+              <a:pPr algn="ctr"/>
+              <a:r>
+                <a:rPr lang="pt-BR" sz="1000" dirty="0" smtClean="0">
+                  <a:latin typeface="Times New Roman" pitchFamily="18" charset="0"/>
+                  <a:cs typeface="Times New Roman" pitchFamily="18" charset="0"/>
+                </a:rPr>
+                <a:t>Comparador 2</a:t>
+              </a:r>
+              <a:endParaRPr lang="pt-BR" sz="1000" dirty="0">
+                <a:latin typeface="Times New Roman" pitchFamily="18" charset="0"/>
+                <a:cs typeface="Times New Roman" pitchFamily="18" charset="0"/>
+              </a:endParaRPr>
+            </a:p>
+          </p:txBody>
+        </p:sp>
+        <p:cxnSp>
+          <p:nvCxnSpPr>
+            <p:cNvPr id="83" name="Conector reto 82"/>
+            <p:cNvCxnSpPr/>
+            <p:nvPr/>
+          </p:nvCxnSpPr>
+          <p:spPr>
+            <a:xfrm rot="10800000">
+              <a:off x="3140484" y="4621259"/>
+              <a:ext cx="177799" cy="794"/>
+            </a:xfrm>
+            <a:prstGeom prst="line">
+              <a:avLst/>
+            </a:prstGeom>
+            <a:ln>
+              <a:headEnd type="triangle" w="med" len="med"/>
+              <a:tailEnd type="none" w="med" len="med"/>
+            </a:ln>
+          </p:spPr>
+          <p:style>
+            <a:lnRef idx="1">
+              <a:schemeClr val="dk1"/>
+            </a:lnRef>
+            <a:fillRef idx="0">
+              <a:schemeClr val="dk1"/>
+            </a:fillRef>
+            <a:effectRef idx="0">
+              <a:schemeClr val="dk1"/>
+            </a:effectRef>
+            <a:fontRef idx="minor">
+              <a:schemeClr val="tx1"/>
+            </a:fontRef>
+          </p:style>
+        </p:cxnSp>
+        <p:cxnSp>
+          <p:nvCxnSpPr>
+            <p:cNvPr id="84" name="Conector reto 83"/>
+            <p:cNvCxnSpPr/>
+            <p:nvPr/>
+          </p:nvCxnSpPr>
+          <p:spPr>
+            <a:xfrm rot="10800000">
+              <a:off x="2740434" y="4710159"/>
+              <a:ext cx="577849" cy="794"/>
+            </a:xfrm>
+            <a:prstGeom prst="line">
+              <a:avLst/>
+            </a:prstGeom>
+            <a:ln>
+              <a:headEnd type="triangle" w="med" len="med"/>
+              <a:tailEnd type="none" w="med" len="med"/>
+            </a:ln>
+          </p:spPr>
+          <p:style>
+            <a:lnRef idx="1">
+              <a:schemeClr val="dk1"/>
+            </a:lnRef>
+            <a:fillRef idx="0">
+              <a:schemeClr val="dk1"/>
+            </a:fillRef>
+            <a:effectRef idx="0">
+              <a:schemeClr val="dk1"/>
+            </a:effectRef>
+            <a:fontRef idx="minor">
+              <a:schemeClr val="tx1"/>
+            </a:fontRef>
+          </p:style>
+        </p:cxnSp>
+        <p:sp>
+          <p:nvSpPr>
+            <p:cNvPr id="85" name="Elipse 84"/>
+            <p:cNvSpPr/>
+            <p:nvPr/>
+          </p:nvSpPr>
+          <p:spPr>
+            <a:xfrm>
+              <a:off x="3096032" y="4266453"/>
+              <a:ext cx="88900" cy="90169"/>
+            </a:xfrm>
+            <a:prstGeom prst="ellipse">
+              <a:avLst/>
+            </a:prstGeom>
+          </p:spPr>
+          <p:style>
+            <a:lnRef idx="2">
+              <a:schemeClr val="dk1">
+                <a:shade val="50000"/>
+              </a:schemeClr>
+            </a:lnRef>
+            <a:fillRef idx="1">
+              <a:schemeClr val="dk1"/>
+            </a:fillRef>
+            <a:effectRef idx="0">
+              <a:schemeClr val="dk1"/>
+            </a:effectRef>
+            <a:fontRef idx="minor">
+              <a:schemeClr val="lt1"/>
+            </a:fontRef>
+          </p:style>
+          <p:txBody>
+            <a:bodyPr rtlCol="0" anchor="ctr"/>
+            <a:lstStyle/>
+            <a:p>
+              <a:pPr algn="ctr"/>
+              <a:endParaRPr lang="pt-BR">
+                <a:latin typeface="Times New Roman" pitchFamily="18" charset="0"/>
+                <a:cs typeface="Times New Roman" pitchFamily="18" charset="0"/>
+              </a:endParaRPr>
+            </a:p>
+          </p:txBody>
+        </p:sp>
+        <p:sp>
+          <p:nvSpPr>
+            <p:cNvPr id="86" name="Retângulo 85"/>
+            <p:cNvSpPr/>
+            <p:nvPr/>
+          </p:nvSpPr>
+          <p:spPr>
+            <a:xfrm>
+              <a:off x="517932" y="3954509"/>
+              <a:ext cx="933450" cy="222250"/>
+            </a:xfrm>
+            <a:prstGeom prst="rect">
+              <a:avLst/>
+            </a:prstGeom>
+            <a:ln w="12700"/>
+          </p:spPr>
+          <p:style>
+            <a:lnRef idx="2">
+              <a:schemeClr val="dk1"/>
+            </a:lnRef>
+            <a:fillRef idx="1">
+              <a:schemeClr val="lt1"/>
+            </a:fillRef>
+            <a:effectRef idx="0">
+              <a:schemeClr val="dk1"/>
+            </a:effectRef>
+            <a:fontRef idx="minor">
+              <a:schemeClr val="dk1"/>
+            </a:fontRef>
+          </p:style>
+          <p:txBody>
+            <a:bodyPr rtlCol="0" anchor="ctr"/>
+            <a:lstStyle/>
+            <a:p>
+              <a:pPr algn="ctr"/>
+              <a:r>
+                <a:rPr lang="pt-BR" sz="1000" dirty="0" smtClean="0">
+                  <a:latin typeface="Times New Roman" pitchFamily="18" charset="0"/>
+                  <a:cs typeface="Times New Roman" pitchFamily="18" charset="0"/>
+                </a:rPr>
+                <a:t>Recarga 0</a:t>
+              </a:r>
+              <a:endParaRPr lang="pt-BR" sz="1000" dirty="0">
+                <a:latin typeface="Times New Roman" pitchFamily="18" charset="0"/>
+                <a:cs typeface="Times New Roman" pitchFamily="18" charset="0"/>
+              </a:endParaRPr>
+            </a:p>
+          </p:txBody>
+        </p:sp>
+        <p:sp>
+          <p:nvSpPr>
+            <p:cNvPr id="87" name="Retângulo 86"/>
+            <p:cNvSpPr/>
+            <p:nvPr/>
+          </p:nvSpPr>
+          <p:spPr>
+            <a:xfrm>
+              <a:off x="517932" y="4265659"/>
+              <a:ext cx="933450" cy="222250"/>
+            </a:xfrm>
+            <a:prstGeom prst="rect">
+              <a:avLst/>
+            </a:prstGeom>
+            <a:ln w="12700"/>
+          </p:spPr>
+          <p:style>
+            <a:lnRef idx="2">
+              <a:schemeClr val="dk1"/>
+            </a:lnRef>
+            <a:fillRef idx="1">
+              <a:schemeClr val="lt1"/>
+            </a:fillRef>
+            <a:effectRef idx="0">
+              <a:schemeClr val="dk1"/>
+            </a:effectRef>
+            <a:fontRef idx="minor">
+              <a:schemeClr val="dk1"/>
+            </a:fontRef>
+          </p:style>
+          <p:txBody>
+            <a:bodyPr rtlCol="0" anchor="ctr"/>
+            <a:lstStyle/>
+            <a:p>
+              <a:pPr algn="ctr"/>
+              <a:r>
+                <a:rPr lang="pt-BR" sz="1000" dirty="0" smtClean="0">
+                  <a:latin typeface="Times New Roman" pitchFamily="18" charset="0"/>
+                  <a:cs typeface="Times New Roman" pitchFamily="18" charset="0"/>
+                </a:rPr>
+                <a:t>Recarga 1</a:t>
+              </a:r>
+              <a:endParaRPr lang="pt-BR" sz="1000" dirty="0">
+                <a:latin typeface="Times New Roman" pitchFamily="18" charset="0"/>
+                <a:cs typeface="Times New Roman" pitchFamily="18" charset="0"/>
+              </a:endParaRPr>
+            </a:p>
+          </p:txBody>
+        </p:sp>
+        <p:sp>
+          <p:nvSpPr>
+            <p:cNvPr id="88" name="Retângulo 87"/>
+            <p:cNvSpPr/>
+            <p:nvPr/>
+          </p:nvSpPr>
+          <p:spPr>
+            <a:xfrm>
+              <a:off x="517932" y="4576809"/>
+              <a:ext cx="933450" cy="222250"/>
+            </a:xfrm>
+            <a:prstGeom prst="rect">
+              <a:avLst/>
+            </a:prstGeom>
+            <a:ln w="12700"/>
+          </p:spPr>
+          <p:style>
+            <a:lnRef idx="2">
+              <a:schemeClr val="dk1"/>
+            </a:lnRef>
+            <a:fillRef idx="1">
+              <a:schemeClr val="lt1"/>
+            </a:fillRef>
+            <a:effectRef idx="0">
+              <a:schemeClr val="dk1"/>
+            </a:effectRef>
+            <a:fontRef idx="minor">
+              <a:schemeClr val="dk1"/>
+            </a:fontRef>
+          </p:style>
+          <p:txBody>
+            <a:bodyPr rtlCol="0" anchor="ctr"/>
+            <a:lstStyle/>
+            <a:p>
+              <a:pPr algn="ctr"/>
+              <a:r>
+                <a:rPr lang="pt-BR" sz="900" dirty="0" smtClean="0">
+                  <a:latin typeface="Times New Roman" pitchFamily="18" charset="0"/>
+                  <a:cs typeface="Times New Roman" pitchFamily="18" charset="0"/>
+                </a:rPr>
+                <a:t>Recarga 2</a:t>
+              </a:r>
+              <a:endParaRPr lang="pt-BR" sz="900" dirty="0">
+                <a:latin typeface="Times New Roman" pitchFamily="18" charset="0"/>
+                <a:cs typeface="Times New Roman" pitchFamily="18" charset="0"/>
+              </a:endParaRPr>
+            </a:p>
+          </p:txBody>
+        </p:sp>
+        <p:cxnSp>
+          <p:nvCxnSpPr>
+            <p:cNvPr id="89" name="Conector reto 88"/>
+            <p:cNvCxnSpPr/>
+            <p:nvPr/>
+          </p:nvCxnSpPr>
+          <p:spPr>
+            <a:xfrm>
+              <a:off x="1495832" y="4087859"/>
+              <a:ext cx="133350" cy="1588"/>
+            </a:xfrm>
+            <a:prstGeom prst="line">
+              <a:avLst/>
+            </a:prstGeom>
+            <a:ln>
+              <a:headEnd type="none" w="med" len="med"/>
+              <a:tailEnd type="triangle" w="med" len="med"/>
+            </a:ln>
+          </p:spPr>
+          <p:style>
+            <a:lnRef idx="1">
+              <a:schemeClr val="dk1"/>
+            </a:lnRef>
+            <a:fillRef idx="0">
+              <a:schemeClr val="dk1"/>
+            </a:fillRef>
+            <a:effectRef idx="0">
+              <a:schemeClr val="dk1"/>
+            </a:effectRef>
+            <a:fontRef idx="minor">
+              <a:schemeClr val="tx1"/>
+            </a:fontRef>
+          </p:style>
+        </p:cxnSp>
+        <p:cxnSp>
+          <p:nvCxnSpPr>
+            <p:cNvPr id="91" name="Conector reto 90"/>
+            <p:cNvCxnSpPr/>
+            <p:nvPr/>
+          </p:nvCxnSpPr>
+          <p:spPr>
+            <a:xfrm>
+              <a:off x="1495832" y="4397421"/>
+              <a:ext cx="133350" cy="1588"/>
+            </a:xfrm>
+            <a:prstGeom prst="line">
+              <a:avLst/>
+            </a:prstGeom>
+            <a:ln>
+              <a:headEnd type="none" w="med" len="med"/>
+              <a:tailEnd type="triangle" w="med" len="med"/>
+            </a:ln>
+          </p:spPr>
+          <p:style>
+            <a:lnRef idx="1">
+              <a:schemeClr val="dk1"/>
+            </a:lnRef>
+            <a:fillRef idx="0">
+              <a:schemeClr val="dk1"/>
+            </a:fillRef>
+            <a:effectRef idx="0">
+              <a:schemeClr val="dk1"/>
+            </a:effectRef>
+            <a:fontRef idx="minor">
+              <a:schemeClr val="tx1"/>
+            </a:fontRef>
+          </p:style>
+        </p:cxnSp>
+        <p:cxnSp>
+          <p:nvCxnSpPr>
+            <p:cNvPr id="95" name="Conector reto 94"/>
+            <p:cNvCxnSpPr/>
+            <p:nvPr/>
+          </p:nvCxnSpPr>
+          <p:spPr>
+            <a:xfrm>
+              <a:off x="1495832" y="4710159"/>
+              <a:ext cx="133350" cy="1588"/>
+            </a:xfrm>
+            <a:prstGeom prst="line">
+              <a:avLst/>
+            </a:prstGeom>
+            <a:ln>
+              <a:headEnd type="none" w="med" len="med"/>
+              <a:tailEnd type="triangle" w="med" len="med"/>
+            </a:ln>
+          </p:spPr>
+          <p:style>
+            <a:lnRef idx="1">
+              <a:schemeClr val="dk1"/>
+            </a:lnRef>
+            <a:fillRef idx="0">
+              <a:schemeClr val="dk1"/>
+            </a:fillRef>
+            <a:effectRef idx="0">
+              <a:schemeClr val="dk1"/>
+            </a:effectRef>
+            <a:fontRef idx="minor">
+              <a:schemeClr val="tx1"/>
+            </a:fontRef>
+          </p:style>
+        </p:cxnSp>
+        <p:cxnSp>
+          <p:nvCxnSpPr>
+            <p:cNvPr id="96" name="Conector de seta reta 95"/>
+            <p:cNvCxnSpPr/>
+            <p:nvPr/>
+          </p:nvCxnSpPr>
+          <p:spPr>
+            <a:xfrm>
+              <a:off x="3654913" y="4043409"/>
+              <a:ext cx="222250" cy="1588"/>
+            </a:xfrm>
+            <a:prstGeom prst="straightConnector1">
+              <a:avLst/>
+            </a:prstGeom>
+            <a:ln>
+              <a:headEnd type="none" w="med" len="med"/>
+              <a:tailEnd type="triangle" w="med" len="med"/>
+            </a:ln>
+          </p:spPr>
+          <p:style>
+            <a:lnRef idx="1">
+              <a:schemeClr val="dk1"/>
+            </a:lnRef>
+            <a:fillRef idx="0">
+              <a:schemeClr val="dk1"/>
+            </a:fillRef>
+            <a:effectRef idx="0">
+              <a:schemeClr val="dk1"/>
+            </a:effectRef>
+            <a:fontRef idx="minor">
+              <a:schemeClr val="tx1"/>
+            </a:fontRef>
+          </p:style>
+        </p:cxnSp>
+        <p:cxnSp>
+          <p:nvCxnSpPr>
+            <p:cNvPr id="97" name="Conector de seta reta 96"/>
+            <p:cNvCxnSpPr/>
+            <p:nvPr/>
+          </p:nvCxnSpPr>
+          <p:spPr>
+            <a:xfrm>
+              <a:off x="3654913" y="4355353"/>
+              <a:ext cx="222250" cy="1588"/>
+            </a:xfrm>
+            <a:prstGeom prst="straightConnector1">
+              <a:avLst/>
+            </a:prstGeom>
+            <a:ln>
+              <a:headEnd type="none" w="med" len="med"/>
+              <a:tailEnd type="triangle" w="med" len="med"/>
+            </a:ln>
+          </p:spPr>
+          <p:style>
+            <a:lnRef idx="1">
+              <a:schemeClr val="dk1"/>
+            </a:lnRef>
+            <a:fillRef idx="0">
+              <a:schemeClr val="dk1"/>
+            </a:fillRef>
+            <a:effectRef idx="0">
+              <a:schemeClr val="dk1"/>
+            </a:effectRef>
+            <a:fontRef idx="minor">
+              <a:schemeClr val="tx1"/>
+            </a:fontRef>
+          </p:style>
+        </p:cxnSp>
+        <p:cxnSp>
+          <p:nvCxnSpPr>
+            <p:cNvPr id="98" name="Conector de seta reta 97"/>
+            <p:cNvCxnSpPr/>
+            <p:nvPr/>
+          </p:nvCxnSpPr>
+          <p:spPr>
+            <a:xfrm>
+              <a:off x="3654913" y="4666503"/>
+              <a:ext cx="222250" cy="1588"/>
+            </a:xfrm>
+            <a:prstGeom prst="straightConnector1">
+              <a:avLst/>
+            </a:prstGeom>
+            <a:ln>
+              <a:headEnd type="none" w="med" len="med"/>
+              <a:tailEnd type="triangle" w="med" len="med"/>
+            </a:ln>
+          </p:spPr>
+          <p:style>
+            <a:lnRef idx="1">
+              <a:schemeClr val="dk1"/>
+            </a:lnRef>
+            <a:fillRef idx="0">
+              <a:schemeClr val="dk1"/>
+            </a:fillRef>
+            <a:effectRef idx="0">
+              <a:schemeClr val="dk1"/>
+            </a:effectRef>
+            <a:fontRef idx="minor">
+              <a:schemeClr val="tx1"/>
+            </a:fontRef>
+          </p:style>
+        </p:cxnSp>
+        <p:sp>
+          <p:nvSpPr>
+            <p:cNvPr id="101" name="Elipse 100"/>
+            <p:cNvSpPr/>
+            <p:nvPr/>
+          </p:nvSpPr>
+          <p:spPr>
+            <a:xfrm>
+              <a:off x="3096032" y="4577603"/>
+              <a:ext cx="88900" cy="90169"/>
+            </a:xfrm>
+            <a:prstGeom prst="ellipse">
+              <a:avLst/>
+            </a:prstGeom>
+          </p:spPr>
+          <p:style>
+            <a:lnRef idx="2">
+              <a:schemeClr val="dk1">
+                <a:shade val="50000"/>
+              </a:schemeClr>
+            </a:lnRef>
+            <a:fillRef idx="1">
+              <a:schemeClr val="dk1"/>
+            </a:fillRef>
+            <a:effectRef idx="0">
+              <a:schemeClr val="dk1"/>
+            </a:effectRef>
+            <a:fontRef idx="minor">
+              <a:schemeClr val="lt1"/>
+            </a:fontRef>
+          </p:style>
+          <p:txBody>
+            <a:bodyPr rtlCol="0" anchor="ctr"/>
+            <a:lstStyle/>
+            <a:p>
+              <a:pPr algn="ctr"/>
+              <a:endParaRPr lang="pt-BR">
+                <a:latin typeface="Times New Roman" pitchFamily="18" charset="0"/>
+                <a:cs typeface="Times New Roman" pitchFamily="18" charset="0"/>
+              </a:endParaRPr>
+            </a:p>
+          </p:txBody>
+        </p:sp>
+        <p:cxnSp>
+          <p:nvCxnSpPr>
+            <p:cNvPr id="104" name="Conector de seta reta 103"/>
+            <p:cNvCxnSpPr/>
+            <p:nvPr/>
+          </p:nvCxnSpPr>
+          <p:spPr>
+            <a:xfrm>
+              <a:off x="2295932" y="3643359"/>
+              <a:ext cx="222250" cy="1588"/>
+            </a:xfrm>
+            <a:prstGeom prst="straightConnector1">
+              <a:avLst/>
+            </a:prstGeom>
+            <a:ln>
+              <a:headEnd type="none" w="med" len="med"/>
+              <a:tailEnd type="triangle" w="med" len="med"/>
+            </a:ln>
+          </p:spPr>
+          <p:style>
+            <a:lnRef idx="1">
+              <a:schemeClr val="dk1"/>
+            </a:lnRef>
+            <a:fillRef idx="0">
+              <a:schemeClr val="dk1"/>
+            </a:fillRef>
+            <a:effectRef idx="0">
+              <a:schemeClr val="dk1"/>
+            </a:effectRef>
+            <a:fontRef idx="minor">
+              <a:schemeClr val="tx1"/>
+            </a:fontRef>
+          </p:style>
+        </p:cxnSp>
+        <p:sp>
+          <p:nvSpPr>
+            <p:cNvPr id="105" name="CaixaDeTexto 104"/>
+            <p:cNvSpPr txBox="1"/>
+            <p:nvPr/>
+          </p:nvSpPr>
+          <p:spPr>
+            <a:xfrm>
+              <a:off x="3813491" y="3930538"/>
+              <a:ext cx="641522" cy="246221"/>
+            </a:xfrm>
+            <a:prstGeom prst="rect">
+              <a:avLst/>
+            </a:prstGeom>
+            <a:noFill/>
+          </p:spPr>
+          <p:txBody>
+            <a:bodyPr wrap="none" rtlCol="0">
+              <a:spAutoFit/>
+            </a:bodyPr>
+            <a:lstStyle/>
+            <a:p>
+              <a:r>
+                <a:rPr lang="pt-BR" sz="1000" dirty="0" smtClean="0">
+                  <a:latin typeface="Times New Roman" pitchFamily="18" charset="0"/>
+                  <a:cs typeface="Times New Roman" pitchFamily="18" charset="0"/>
+                </a:rPr>
+                <a:t>Evento 0</a:t>
+              </a:r>
+              <a:endParaRPr lang="pt-BR" sz="1000" dirty="0">
+                <a:latin typeface="Times New Roman" pitchFamily="18" charset="0"/>
+                <a:cs typeface="Times New Roman" pitchFamily="18" charset="0"/>
+              </a:endParaRPr>
+            </a:p>
+          </p:txBody>
+        </p:sp>
+        <p:sp>
+          <p:nvSpPr>
+            <p:cNvPr id="106" name="CaixaDeTexto 105"/>
+            <p:cNvSpPr txBox="1"/>
+            <p:nvPr/>
+          </p:nvSpPr>
+          <p:spPr>
+            <a:xfrm>
+              <a:off x="3813491" y="4241688"/>
+              <a:ext cx="641522" cy="246221"/>
+            </a:xfrm>
+            <a:prstGeom prst="rect">
+              <a:avLst/>
+            </a:prstGeom>
+            <a:noFill/>
+          </p:spPr>
+          <p:txBody>
+            <a:bodyPr wrap="none" rtlCol="0">
+              <a:spAutoFit/>
+            </a:bodyPr>
+            <a:lstStyle/>
+            <a:p>
+              <a:r>
+                <a:rPr lang="pt-BR" sz="1000" dirty="0" smtClean="0">
+                  <a:latin typeface="Times New Roman" pitchFamily="18" charset="0"/>
+                  <a:cs typeface="Times New Roman" pitchFamily="18" charset="0"/>
+                </a:rPr>
+                <a:t>Evento 1</a:t>
+              </a:r>
+              <a:endParaRPr lang="pt-BR" sz="1000" dirty="0">
+                <a:latin typeface="Times New Roman" pitchFamily="18" charset="0"/>
+                <a:cs typeface="Times New Roman" pitchFamily="18" charset="0"/>
+              </a:endParaRPr>
+            </a:p>
+          </p:txBody>
+        </p:sp>
+        <p:sp>
+          <p:nvSpPr>
+            <p:cNvPr id="108" name="CaixaDeTexto 107"/>
+            <p:cNvSpPr txBox="1"/>
+            <p:nvPr/>
+          </p:nvSpPr>
+          <p:spPr>
+            <a:xfrm>
+              <a:off x="3813491" y="4552838"/>
+              <a:ext cx="641522" cy="246221"/>
+            </a:xfrm>
+            <a:prstGeom prst="rect">
+              <a:avLst/>
+            </a:prstGeom>
+            <a:noFill/>
+          </p:spPr>
+          <p:txBody>
+            <a:bodyPr wrap="none" rtlCol="0">
+              <a:spAutoFit/>
+            </a:bodyPr>
+            <a:lstStyle/>
+            <a:p>
+              <a:r>
+                <a:rPr lang="pt-BR" sz="1000" dirty="0" smtClean="0">
+                  <a:latin typeface="Times New Roman" pitchFamily="18" charset="0"/>
+                  <a:cs typeface="Times New Roman" pitchFamily="18" charset="0"/>
+                </a:rPr>
+                <a:t>Evento 2</a:t>
+              </a:r>
+              <a:endParaRPr lang="pt-BR" sz="1000" dirty="0">
+                <a:latin typeface="Times New Roman" pitchFamily="18" charset="0"/>
+                <a:cs typeface="Times New Roman" pitchFamily="18" charset="0"/>
+              </a:endParaRPr>
+            </a:p>
+          </p:txBody>
+        </p:sp>
+        <p:sp>
+          <p:nvSpPr>
+            <p:cNvPr id="109" name="Retângulo 108"/>
+            <p:cNvSpPr/>
+            <p:nvPr/>
+          </p:nvSpPr>
+          <p:spPr>
+            <a:xfrm>
+              <a:off x="1673632" y="5110209"/>
+              <a:ext cx="1022350" cy="222250"/>
+            </a:xfrm>
+            <a:prstGeom prst="rect">
+              <a:avLst/>
+            </a:prstGeom>
+            <a:ln w="12700"/>
+          </p:spPr>
+          <p:style>
+            <a:lnRef idx="2">
+              <a:schemeClr val="dk1"/>
+            </a:lnRef>
+            <a:fillRef idx="1">
+              <a:schemeClr val="lt1"/>
+            </a:fillRef>
+            <a:effectRef idx="0">
+              <a:schemeClr val="dk1"/>
+            </a:effectRef>
+            <a:fontRef idx="minor">
+              <a:schemeClr val="dk1"/>
+            </a:fontRef>
+          </p:style>
+          <p:txBody>
+            <a:bodyPr rtlCol="0" anchor="ctr"/>
+            <a:lstStyle/>
+            <a:p>
+              <a:pPr algn="ctr"/>
+              <a:r>
+                <a:rPr lang="pt-BR" sz="1000" dirty="0" smtClean="0">
+                  <a:latin typeface="Times New Roman" pitchFamily="18" charset="0"/>
+                  <a:cs typeface="Times New Roman" pitchFamily="18" charset="0"/>
+                </a:rPr>
+                <a:t>Comparador 15</a:t>
+              </a:r>
+              <a:endParaRPr lang="pt-BR" sz="1000" dirty="0">
+                <a:latin typeface="Times New Roman" pitchFamily="18" charset="0"/>
+                <a:cs typeface="Times New Roman" pitchFamily="18" charset="0"/>
+              </a:endParaRPr>
+            </a:p>
+          </p:txBody>
+        </p:sp>
+        <p:cxnSp>
+          <p:nvCxnSpPr>
+            <p:cNvPr id="111" name="Conector reto 110"/>
+            <p:cNvCxnSpPr/>
+            <p:nvPr/>
+          </p:nvCxnSpPr>
+          <p:spPr>
+            <a:xfrm rot="10800000">
+              <a:off x="3140484" y="5154659"/>
+              <a:ext cx="177799" cy="794"/>
+            </a:xfrm>
+            <a:prstGeom prst="line">
+              <a:avLst/>
+            </a:prstGeom>
+            <a:ln>
+              <a:headEnd type="triangle" w="med" len="med"/>
+              <a:tailEnd type="none" w="med" len="med"/>
+            </a:ln>
+          </p:spPr>
+          <p:style>
+            <a:lnRef idx="1">
+              <a:schemeClr val="dk1"/>
+            </a:lnRef>
+            <a:fillRef idx="0">
+              <a:schemeClr val="dk1"/>
+            </a:fillRef>
+            <a:effectRef idx="0">
+              <a:schemeClr val="dk1"/>
+            </a:effectRef>
+            <a:fontRef idx="minor">
+              <a:schemeClr val="tx1"/>
+            </a:fontRef>
+          </p:style>
+        </p:cxnSp>
+        <p:cxnSp>
+          <p:nvCxnSpPr>
+            <p:cNvPr id="114" name="Conector reto 113"/>
+            <p:cNvCxnSpPr/>
+            <p:nvPr/>
+          </p:nvCxnSpPr>
+          <p:spPr>
+            <a:xfrm rot="10800000">
+              <a:off x="2740434" y="5243559"/>
+              <a:ext cx="577849" cy="794"/>
+            </a:xfrm>
+            <a:prstGeom prst="line">
+              <a:avLst/>
+            </a:prstGeom>
+            <a:ln>
+              <a:headEnd type="triangle" w="med" len="med"/>
+              <a:tailEnd type="none" w="med" len="med"/>
+            </a:ln>
+          </p:spPr>
+          <p:style>
+            <a:lnRef idx="1">
+              <a:schemeClr val="dk1"/>
+            </a:lnRef>
+            <a:fillRef idx="0">
+              <a:schemeClr val="dk1"/>
+            </a:fillRef>
+            <a:effectRef idx="0">
+              <a:schemeClr val="dk1"/>
+            </a:effectRef>
+            <a:fontRef idx="minor">
+              <a:schemeClr val="tx1"/>
+            </a:fontRef>
+          </p:style>
+        </p:cxnSp>
+        <p:sp>
+          <p:nvSpPr>
+            <p:cNvPr id="115" name="Retângulo 114"/>
+            <p:cNvSpPr/>
+            <p:nvPr/>
+          </p:nvSpPr>
+          <p:spPr>
+            <a:xfrm>
+              <a:off x="517932" y="5110209"/>
+              <a:ext cx="933450" cy="222250"/>
+            </a:xfrm>
+            <a:prstGeom prst="rect">
+              <a:avLst/>
+            </a:prstGeom>
+            <a:ln w="12700"/>
+          </p:spPr>
+          <p:style>
+            <a:lnRef idx="2">
+              <a:schemeClr val="dk1"/>
+            </a:lnRef>
+            <a:fillRef idx="1">
+              <a:schemeClr val="lt1"/>
+            </a:fillRef>
+            <a:effectRef idx="0">
+              <a:schemeClr val="dk1"/>
+            </a:effectRef>
+            <a:fontRef idx="minor">
+              <a:schemeClr val="dk1"/>
+            </a:fontRef>
+          </p:style>
+          <p:txBody>
+            <a:bodyPr rtlCol="0" anchor="ctr"/>
+            <a:lstStyle/>
+            <a:p>
+              <a:pPr algn="ctr"/>
+              <a:r>
+                <a:rPr lang="pt-BR" sz="1000" dirty="0" smtClean="0">
+                  <a:latin typeface="Times New Roman" pitchFamily="18" charset="0"/>
+                  <a:cs typeface="Times New Roman" pitchFamily="18" charset="0"/>
+                </a:rPr>
+                <a:t>Recarga 15</a:t>
+              </a:r>
+              <a:endParaRPr lang="pt-BR" sz="1000" dirty="0">
+                <a:latin typeface="Times New Roman" pitchFamily="18" charset="0"/>
+                <a:cs typeface="Times New Roman" pitchFamily="18" charset="0"/>
+              </a:endParaRPr>
+            </a:p>
+          </p:txBody>
+        </p:sp>
+        <p:cxnSp>
+          <p:nvCxnSpPr>
+            <p:cNvPr id="118" name="Conector reto 117"/>
+            <p:cNvCxnSpPr/>
+            <p:nvPr/>
+          </p:nvCxnSpPr>
+          <p:spPr>
+            <a:xfrm>
+              <a:off x="1495832" y="5243559"/>
+              <a:ext cx="133350" cy="1588"/>
+            </a:xfrm>
+            <a:prstGeom prst="line">
+              <a:avLst/>
+            </a:prstGeom>
+            <a:ln>
+              <a:headEnd type="none" w="med" len="med"/>
+              <a:tailEnd type="triangle" w="med" len="med"/>
+            </a:ln>
+          </p:spPr>
+          <p:style>
+            <a:lnRef idx="1">
+              <a:schemeClr val="dk1"/>
+            </a:lnRef>
+            <a:fillRef idx="0">
+              <a:schemeClr val="dk1"/>
+            </a:fillRef>
+            <a:effectRef idx="0">
+              <a:schemeClr val="dk1"/>
+            </a:effectRef>
+            <a:fontRef idx="minor">
+              <a:schemeClr val="tx1"/>
+            </a:fontRef>
+          </p:style>
+        </p:cxnSp>
+        <p:cxnSp>
+          <p:nvCxnSpPr>
+            <p:cNvPr id="119" name="Conector de seta reta 118"/>
+            <p:cNvCxnSpPr/>
+            <p:nvPr/>
+          </p:nvCxnSpPr>
+          <p:spPr>
+            <a:xfrm>
+              <a:off x="3672363" y="5219746"/>
+              <a:ext cx="222250" cy="1588"/>
+            </a:xfrm>
+            <a:prstGeom prst="straightConnector1">
+              <a:avLst/>
+            </a:prstGeom>
+            <a:ln>
+              <a:headEnd type="none" w="med" len="med"/>
+              <a:tailEnd type="triangle" w="med" len="med"/>
+            </a:ln>
+          </p:spPr>
+          <p:style>
+            <a:lnRef idx="1">
+              <a:schemeClr val="dk1"/>
+            </a:lnRef>
+            <a:fillRef idx="0">
+              <a:schemeClr val="dk1"/>
+            </a:fillRef>
+            <a:effectRef idx="0">
+              <a:schemeClr val="dk1"/>
+            </a:effectRef>
+            <a:fontRef idx="minor">
+              <a:schemeClr val="tx1"/>
+            </a:fontRef>
+          </p:style>
+        </p:cxnSp>
+        <p:sp>
+          <p:nvSpPr>
+            <p:cNvPr id="120" name="CaixaDeTexto 119"/>
+            <p:cNvSpPr txBox="1"/>
+            <p:nvPr/>
+          </p:nvSpPr>
+          <p:spPr>
+            <a:xfrm>
+              <a:off x="3830941" y="5106081"/>
+              <a:ext cx="707245" cy="246221"/>
+            </a:xfrm>
+            <a:prstGeom prst="rect">
+              <a:avLst/>
+            </a:prstGeom>
+            <a:noFill/>
+          </p:spPr>
+          <p:txBody>
+            <a:bodyPr wrap="none" rtlCol="0">
+              <a:spAutoFit/>
+            </a:bodyPr>
+            <a:lstStyle/>
+            <a:p>
+              <a:r>
+                <a:rPr lang="pt-BR" sz="1000" dirty="0" smtClean="0">
+                  <a:latin typeface="Times New Roman" pitchFamily="18" charset="0"/>
+                  <a:cs typeface="Times New Roman" pitchFamily="18" charset="0"/>
+                </a:rPr>
+                <a:t>Evento 15</a:t>
+              </a:r>
+              <a:endParaRPr lang="pt-BR" sz="1000" dirty="0">
+                <a:latin typeface="Times New Roman" pitchFamily="18" charset="0"/>
+                <a:cs typeface="Times New Roman" pitchFamily="18" charset="0"/>
+              </a:endParaRPr>
+            </a:p>
+          </p:txBody>
+        </p:sp>
+        <p:cxnSp>
+          <p:nvCxnSpPr>
+            <p:cNvPr id="121" name="Conector reto 120"/>
+            <p:cNvCxnSpPr/>
+            <p:nvPr/>
+          </p:nvCxnSpPr>
+          <p:spPr>
+            <a:xfrm rot="5400000" flipH="1" flipV="1">
+              <a:off x="3051582" y="5065759"/>
+              <a:ext cx="177800" cy="1588"/>
+            </a:xfrm>
+            <a:prstGeom prst="line">
+              <a:avLst/>
+            </a:prstGeom>
+          </p:spPr>
+          <p:style>
+            <a:lnRef idx="1">
+              <a:schemeClr val="dk1"/>
+            </a:lnRef>
+            <a:fillRef idx="0">
+              <a:schemeClr val="dk1"/>
+            </a:fillRef>
+            <a:effectRef idx="0">
+              <a:schemeClr val="dk1"/>
+            </a:effectRef>
+            <a:fontRef idx="minor">
+              <a:schemeClr val="tx1"/>
+            </a:fontRef>
+          </p:style>
+        </p:cxnSp>
+        <p:sp>
+          <p:nvSpPr>
+            <p:cNvPr id="124" name="CaixaDeTexto 123"/>
+            <p:cNvSpPr txBox="1"/>
+            <p:nvPr/>
+          </p:nvSpPr>
+          <p:spPr>
+            <a:xfrm>
+              <a:off x="1984782" y="4665709"/>
+              <a:ext cx="357790" cy="369332"/>
+            </a:xfrm>
+            <a:prstGeom prst="rect">
+              <a:avLst/>
+            </a:prstGeom>
+            <a:noFill/>
+          </p:spPr>
+          <p:txBody>
+            <a:bodyPr wrap="none" rtlCol="0">
+              <a:spAutoFit/>
+            </a:bodyPr>
+            <a:lstStyle/>
+            <a:p>
+              <a:r>
+                <a:rPr lang="pt-BR" dirty="0" smtClean="0">
+                  <a:latin typeface="Times New Roman" pitchFamily="18" charset="0"/>
+                  <a:cs typeface="Times New Roman" pitchFamily="18" charset="0"/>
+                </a:rPr>
+                <a:t>...</a:t>
+              </a:r>
+              <a:endParaRPr lang="pt-BR" dirty="0">
+                <a:latin typeface="Times New Roman" pitchFamily="18" charset="0"/>
+                <a:cs typeface="Times New Roman" pitchFamily="18" charset="0"/>
+              </a:endParaRPr>
+            </a:p>
+          </p:txBody>
+        </p:sp>
+        <p:sp>
+          <p:nvSpPr>
+            <p:cNvPr id="125" name="CaixaDeTexto 124"/>
+            <p:cNvSpPr txBox="1"/>
+            <p:nvPr/>
+          </p:nvSpPr>
+          <p:spPr>
+            <a:xfrm>
+              <a:off x="826892" y="4665709"/>
+              <a:ext cx="357790" cy="369332"/>
+            </a:xfrm>
+            <a:prstGeom prst="rect">
+              <a:avLst/>
+            </a:prstGeom>
+            <a:noFill/>
+          </p:spPr>
+          <p:txBody>
+            <a:bodyPr wrap="none" rtlCol="0">
+              <a:spAutoFit/>
+            </a:bodyPr>
+            <a:lstStyle/>
+            <a:p>
+              <a:r>
+                <a:rPr lang="pt-BR" dirty="0" smtClean="0">
+                  <a:latin typeface="Times New Roman" pitchFamily="18" charset="0"/>
+                  <a:cs typeface="Times New Roman" pitchFamily="18" charset="0"/>
+                </a:rPr>
+                <a:t>...</a:t>
+              </a:r>
+              <a:endParaRPr lang="pt-BR" dirty="0">
+                <a:latin typeface="Times New Roman" pitchFamily="18" charset="0"/>
+                <a:cs typeface="Times New Roman" pitchFamily="18" charset="0"/>
+              </a:endParaRPr>
+            </a:p>
+          </p:txBody>
+        </p:sp>
+        <p:sp>
+          <p:nvSpPr>
+            <p:cNvPr id="126" name="CaixaDeTexto 125"/>
+            <p:cNvSpPr txBox="1"/>
+            <p:nvPr/>
+          </p:nvSpPr>
+          <p:spPr>
+            <a:xfrm>
+              <a:off x="3362732" y="4621259"/>
+              <a:ext cx="357790" cy="369332"/>
+            </a:xfrm>
+            <a:prstGeom prst="rect">
+              <a:avLst/>
+            </a:prstGeom>
+            <a:noFill/>
+          </p:spPr>
+          <p:txBody>
+            <a:bodyPr wrap="none" rtlCol="0">
+              <a:spAutoFit/>
+            </a:bodyPr>
+            <a:lstStyle/>
+            <a:p>
+              <a:r>
+                <a:rPr lang="pt-BR" dirty="0" smtClean="0">
+                  <a:latin typeface="Times New Roman" pitchFamily="18" charset="0"/>
+                  <a:cs typeface="Times New Roman" pitchFamily="18" charset="0"/>
+                </a:rPr>
+                <a:t>...</a:t>
+              </a:r>
+              <a:endParaRPr lang="pt-BR" dirty="0">
+                <a:latin typeface="Times New Roman" pitchFamily="18" charset="0"/>
+                <a:cs typeface="Times New Roman" pitchFamily="18" charset="0"/>
+              </a:endParaRPr>
+            </a:p>
+          </p:txBody>
+        </p:sp>
+        <p:grpSp>
+          <p:nvGrpSpPr>
+            <p:cNvPr id="6" name="Grupo 5"/>
+            <p:cNvGrpSpPr/>
+            <p:nvPr/>
+          </p:nvGrpSpPr>
+          <p:grpSpPr>
+            <a:xfrm>
+              <a:off x="3266855" y="3874132"/>
+              <a:ext cx="362152" cy="338554"/>
+              <a:chOff x="3266855" y="3874132"/>
+              <a:chExt cx="362152" cy="338554"/>
+            </a:xfrm>
+          </p:grpSpPr>
+          <p:sp>
+            <p:nvSpPr>
+              <p:cNvPr id="4" name="Triângulo isósceles 3"/>
+              <p:cNvSpPr/>
+              <p:nvPr/>
+            </p:nvSpPr>
+            <p:spPr>
+              <a:xfrm rot="5400000">
+                <a:off x="3361656" y="3902924"/>
+                <a:ext cx="246220" cy="288483"/>
+              </a:xfrm>
+              <a:prstGeom prst="triangle">
+                <a:avLst/>
+              </a:prstGeom>
+              <a:ln w="12700">
+                <a:solidFill>
+                  <a:schemeClr val="tx1"/>
+                </a:solidFill>
+              </a:ln>
+            </p:spPr>
+            <p:style>
+              <a:lnRef idx="2">
+                <a:schemeClr val="accent6"/>
+              </a:lnRef>
+              <a:fillRef idx="1">
+                <a:schemeClr val="lt1"/>
+              </a:fillRef>
+              <a:effectRef idx="0">
+                <a:schemeClr val="accent6"/>
+              </a:effectRef>
+              <a:fontRef idx="minor">
+                <a:schemeClr val="dk1"/>
+              </a:fontRef>
+            </p:style>
+            <p:txBody>
+              <a:bodyPr rtlCol="0" anchor="ctr"/>
+              <a:lstStyle/>
+              <a:p>
+                <a:pPr algn="ctr"/>
+                <a:endParaRPr lang="pt-BR" dirty="0"/>
+              </a:p>
+            </p:txBody>
+          </p:sp>
+          <p:sp>
+            <p:nvSpPr>
+              <p:cNvPr id="5" name="CaixaDeTexto 4"/>
+              <p:cNvSpPr txBox="1"/>
+              <p:nvPr/>
+            </p:nvSpPr>
+            <p:spPr>
+              <a:xfrm>
+                <a:off x="3266855" y="3874132"/>
+                <a:ext cx="273235" cy="338554"/>
+              </a:xfrm>
+              <a:prstGeom prst="rect">
+                <a:avLst/>
+              </a:prstGeom>
+              <a:noFill/>
+            </p:spPr>
+            <p:txBody>
+              <a:bodyPr wrap="square" rtlCol="0">
+                <a:spAutoFit/>
+              </a:bodyPr>
+              <a:lstStyle/>
+              <a:p>
+                <a:r>
+                  <a:rPr lang="pt-BR" sz="1600" dirty="0" smtClean="0"/>
+                  <a:t>=</a:t>
+                </a:r>
+                <a:endParaRPr lang="pt-BR" sz="1600" dirty="0"/>
+              </a:p>
+            </p:txBody>
+          </p:sp>
+        </p:grpSp>
+        <p:grpSp>
+          <p:nvGrpSpPr>
+            <p:cNvPr id="135" name="Grupo 134"/>
+            <p:cNvGrpSpPr/>
+            <p:nvPr/>
+          </p:nvGrpSpPr>
+          <p:grpSpPr>
+            <a:xfrm>
+              <a:off x="3266855" y="4176759"/>
+              <a:ext cx="362152" cy="338554"/>
+              <a:chOff x="3266855" y="3874132"/>
+              <a:chExt cx="362152" cy="338554"/>
+            </a:xfrm>
+          </p:grpSpPr>
+          <p:sp>
+            <p:nvSpPr>
+              <p:cNvPr id="136" name="Triângulo isósceles 135"/>
+              <p:cNvSpPr/>
+              <p:nvPr/>
+            </p:nvSpPr>
+            <p:spPr>
+              <a:xfrm rot="5400000">
+                <a:off x="3361656" y="3902924"/>
+                <a:ext cx="246220" cy="288483"/>
+              </a:xfrm>
+              <a:prstGeom prst="triangle">
+                <a:avLst/>
+              </a:prstGeom>
+              <a:ln w="12700">
+                <a:solidFill>
+                  <a:schemeClr val="tx1"/>
+                </a:solidFill>
+              </a:ln>
+            </p:spPr>
+            <p:style>
+              <a:lnRef idx="2">
+                <a:schemeClr val="accent6"/>
+              </a:lnRef>
+              <a:fillRef idx="1">
+                <a:schemeClr val="lt1"/>
+              </a:fillRef>
+              <a:effectRef idx="0">
+                <a:schemeClr val="accent6"/>
+              </a:effectRef>
+              <a:fontRef idx="minor">
+                <a:schemeClr val="dk1"/>
+              </a:fontRef>
+            </p:style>
+            <p:txBody>
+              <a:bodyPr rtlCol="0" anchor="ctr"/>
+              <a:lstStyle/>
+              <a:p>
+                <a:pPr algn="ctr"/>
+                <a:endParaRPr lang="pt-BR" dirty="0"/>
+              </a:p>
+            </p:txBody>
+          </p:sp>
+          <p:sp>
+            <p:nvSpPr>
+              <p:cNvPr id="141" name="CaixaDeTexto 140"/>
+              <p:cNvSpPr txBox="1"/>
+              <p:nvPr/>
+            </p:nvSpPr>
+            <p:spPr>
+              <a:xfrm>
+                <a:off x="3266855" y="3874132"/>
+                <a:ext cx="273235" cy="338554"/>
+              </a:xfrm>
+              <a:prstGeom prst="rect">
+                <a:avLst/>
+              </a:prstGeom>
+              <a:noFill/>
+            </p:spPr>
+            <p:txBody>
+              <a:bodyPr wrap="square" rtlCol="0">
+                <a:spAutoFit/>
+              </a:bodyPr>
+              <a:lstStyle/>
+              <a:p>
+                <a:r>
+                  <a:rPr lang="pt-BR" sz="1600" dirty="0" smtClean="0"/>
+                  <a:t>=</a:t>
+                </a:r>
+                <a:endParaRPr lang="pt-BR" sz="1600" dirty="0"/>
+              </a:p>
+            </p:txBody>
+          </p:sp>
+        </p:grpSp>
+        <p:grpSp>
+          <p:nvGrpSpPr>
+            <p:cNvPr id="145" name="Grupo 144"/>
+            <p:cNvGrpSpPr/>
+            <p:nvPr/>
+          </p:nvGrpSpPr>
+          <p:grpSpPr>
+            <a:xfrm>
+              <a:off x="3272313" y="4492718"/>
+              <a:ext cx="362152" cy="338554"/>
+              <a:chOff x="3266855" y="3874132"/>
+              <a:chExt cx="362152" cy="338554"/>
+            </a:xfrm>
+          </p:grpSpPr>
+          <p:sp>
+            <p:nvSpPr>
+              <p:cNvPr id="147" name="Triângulo isósceles 146"/>
+              <p:cNvSpPr/>
+              <p:nvPr/>
+            </p:nvSpPr>
+            <p:spPr>
+              <a:xfrm rot="5400000">
+                <a:off x="3361656" y="3902924"/>
+                <a:ext cx="246220" cy="288483"/>
+              </a:xfrm>
+              <a:prstGeom prst="triangle">
+                <a:avLst/>
+              </a:prstGeom>
+              <a:ln w="12700">
+                <a:solidFill>
+                  <a:schemeClr val="tx1"/>
+                </a:solidFill>
+              </a:ln>
+            </p:spPr>
+            <p:style>
+              <a:lnRef idx="2">
+                <a:schemeClr val="accent6"/>
+              </a:lnRef>
+              <a:fillRef idx="1">
+                <a:schemeClr val="lt1"/>
+              </a:fillRef>
+              <a:effectRef idx="0">
+                <a:schemeClr val="accent6"/>
+              </a:effectRef>
+              <a:fontRef idx="minor">
+                <a:schemeClr val="dk1"/>
+              </a:fontRef>
+            </p:style>
+            <p:txBody>
+              <a:bodyPr rtlCol="0" anchor="ctr"/>
+              <a:lstStyle/>
+              <a:p>
+                <a:pPr algn="ctr"/>
+                <a:endParaRPr lang="pt-BR" dirty="0"/>
+              </a:p>
+            </p:txBody>
+          </p:sp>
+          <p:sp>
+            <p:nvSpPr>
+              <p:cNvPr id="159" name="CaixaDeTexto 158"/>
+              <p:cNvSpPr txBox="1"/>
+              <p:nvPr/>
+            </p:nvSpPr>
+            <p:spPr>
+              <a:xfrm>
+                <a:off x="3266855" y="3874132"/>
+                <a:ext cx="273235" cy="338554"/>
+              </a:xfrm>
+              <a:prstGeom prst="rect">
+                <a:avLst/>
+              </a:prstGeom>
+              <a:noFill/>
+            </p:spPr>
+            <p:txBody>
+              <a:bodyPr wrap="square" rtlCol="0">
+                <a:spAutoFit/>
+              </a:bodyPr>
+              <a:lstStyle/>
+              <a:p>
+                <a:r>
+                  <a:rPr lang="pt-BR" sz="1600" dirty="0" smtClean="0"/>
+                  <a:t>=</a:t>
+                </a:r>
+                <a:endParaRPr lang="pt-BR" sz="1600" dirty="0"/>
+              </a:p>
+            </p:txBody>
+          </p:sp>
+        </p:grpSp>
+        <p:grpSp>
+          <p:nvGrpSpPr>
+            <p:cNvPr id="160" name="Grupo 159"/>
+            <p:cNvGrpSpPr/>
+            <p:nvPr/>
+          </p:nvGrpSpPr>
+          <p:grpSpPr>
+            <a:xfrm>
+              <a:off x="3264743" y="5043827"/>
+              <a:ext cx="362152" cy="338554"/>
+              <a:chOff x="3266855" y="3874132"/>
+              <a:chExt cx="362152" cy="338554"/>
+            </a:xfrm>
+          </p:grpSpPr>
+          <p:sp>
+            <p:nvSpPr>
+              <p:cNvPr id="161" name="Triângulo isósceles 160"/>
+              <p:cNvSpPr/>
+              <p:nvPr/>
+            </p:nvSpPr>
+            <p:spPr>
+              <a:xfrm rot="5400000">
+                <a:off x="3361656" y="3902924"/>
+                <a:ext cx="246220" cy="288483"/>
+              </a:xfrm>
+              <a:prstGeom prst="triangle">
+                <a:avLst/>
+              </a:prstGeom>
+              <a:ln w="12700">
+                <a:solidFill>
+                  <a:schemeClr val="tx1"/>
+                </a:solidFill>
+              </a:ln>
+            </p:spPr>
+            <p:style>
+              <a:lnRef idx="2">
+                <a:schemeClr val="accent6"/>
+              </a:lnRef>
+              <a:fillRef idx="1">
+                <a:schemeClr val="lt1"/>
+              </a:fillRef>
+              <a:effectRef idx="0">
+                <a:schemeClr val="accent6"/>
+              </a:effectRef>
+              <a:fontRef idx="minor">
+                <a:schemeClr val="dk1"/>
+              </a:fontRef>
+            </p:style>
+            <p:txBody>
+              <a:bodyPr rtlCol="0" anchor="ctr"/>
+              <a:lstStyle/>
+              <a:p>
+                <a:pPr algn="ctr"/>
+                <a:endParaRPr lang="pt-BR" dirty="0"/>
+              </a:p>
+            </p:txBody>
+          </p:sp>
+          <p:sp>
+            <p:nvSpPr>
+              <p:cNvPr id="162" name="CaixaDeTexto 161"/>
+              <p:cNvSpPr txBox="1"/>
+              <p:nvPr/>
+            </p:nvSpPr>
+            <p:spPr>
+              <a:xfrm>
+                <a:off x="3266855" y="3874132"/>
+                <a:ext cx="273235" cy="338554"/>
+              </a:xfrm>
+              <a:prstGeom prst="rect">
+                <a:avLst/>
+              </a:prstGeom>
+              <a:noFill/>
+            </p:spPr>
+            <p:txBody>
+              <a:bodyPr wrap="square" rtlCol="0">
+                <a:spAutoFit/>
+              </a:bodyPr>
+              <a:lstStyle/>
+              <a:p>
+                <a:r>
+                  <a:rPr lang="pt-BR" sz="1600" dirty="0" smtClean="0"/>
+                  <a:t>=</a:t>
+                </a:r>
+                <a:endParaRPr lang="pt-BR" sz="1600" dirty="0"/>
+              </a:p>
+            </p:txBody>
+          </p:sp>
+        </p:grpSp>
       </p:grpSp>
     </p:spTree>
   </p:cSld>
@@ -33878,7 +35803,7 @@
           <p:spPr>
             <a:xfrm>
               <a:off x="1371600" y="2495550"/>
-              <a:ext cx="1002197" cy="261610"/>
+              <a:ext cx="795411" cy="261610"/>
             </a:xfrm>
             <a:prstGeom prst="rect">
               <a:avLst/>
@@ -33896,7 +35821,7 @@
                   <a:latin typeface="Times New Roman" pitchFamily="18" charset="0"/>
                   <a:cs typeface="Times New Roman" pitchFamily="18" charset="0"/>
                 </a:rPr>
-                <a:t>SaídaDigital +</a:t>
+                <a:t>TChirpPos</a:t>
               </a:r>
               <a:endParaRPr lang="pt-BR" sz="1100" dirty="0">
                 <a:latin typeface="Times New Roman" pitchFamily="18" charset="0"/>
@@ -33914,7 +35839,7 @@
           <p:spPr>
             <a:xfrm>
               <a:off x="1371600" y="3112760"/>
-              <a:ext cx="968535" cy="261610"/>
+              <a:ext cx="827471" cy="261610"/>
             </a:xfrm>
             <a:prstGeom prst="rect">
               <a:avLst/>
@@ -33932,7 +35857,7 @@
                   <a:latin typeface="Times New Roman" pitchFamily="18" charset="0"/>
                   <a:cs typeface="Times New Roman" pitchFamily="18" charset="0"/>
                 </a:rPr>
-                <a:t>SaídaDigital -</a:t>
+                <a:t>TChirpNeg</a:t>
               </a:r>
               <a:endParaRPr lang="pt-BR" sz="1100" dirty="0">
                 <a:latin typeface="Times New Roman" pitchFamily="18" charset="0"/>
